--- a/1_SQL/2_PPT/9_Duplicates/1_Duplicates.pptx
+++ b/1_SQL/2_PPT/9_Duplicates/1_Duplicates.pptx
@@ -6,14 +6,12 @@
   </p:sldMasterIdLst>
   <p:sldIdLst>
     <p:sldId id="256" r:id="rId2"/>
-    <p:sldId id="258" r:id="rId3"/>
-    <p:sldId id="257" r:id="rId4"/>
-    <p:sldId id="263" r:id="rId5"/>
-    <p:sldId id="264" r:id="rId6"/>
-    <p:sldId id="259" r:id="rId7"/>
-    <p:sldId id="261" r:id="rId8"/>
-    <p:sldId id="260" r:id="rId9"/>
-    <p:sldId id="262" r:id="rId10"/>
+    <p:sldId id="261" r:id="rId3"/>
+    <p:sldId id="258" r:id="rId4"/>
+    <p:sldId id="257" r:id="rId5"/>
+    <p:sldId id="259" r:id="rId6"/>
+    <p:sldId id="262" r:id="rId7"/>
+    <p:sldId id="260" r:id="rId8"/>
   </p:sldIdLst>
   <p:sldSz cx="12192000" cy="6858000"/>
   <p:notesSz cx="6858000" cy="9144000"/>
@@ -142,7 +140,7 @@
           <p:cNvPr id="2" name="Title 1">
             <a:extLst>
               <a:ext uri="{FF2B5EF4-FFF2-40B4-BE49-F238E27FC236}">
-                <a16:creationId xmlns:a16="http://schemas.microsoft.com/office/drawing/2014/main" xmlns="" id="{72334CC5-C4CD-4816-ADB1-D7A8914968FD}"/>
+                <a16:creationId xmlns:a16="http://schemas.microsoft.com/office/drawing/2014/main" id="{72334CC5-C4CD-4816-ADB1-D7A8914968FD}"/>
               </a:ext>
             </a:extLst>
           </p:cNvPr>
@@ -179,7 +177,7 @@
           <p:cNvPr id="3" name="Subtitle 2">
             <a:extLst>
               <a:ext uri="{FF2B5EF4-FFF2-40B4-BE49-F238E27FC236}">
-                <a16:creationId xmlns:a16="http://schemas.microsoft.com/office/drawing/2014/main" xmlns="" id="{8DDDB57C-3C30-49F8-A747-58AA21831307}"/>
+                <a16:creationId xmlns:a16="http://schemas.microsoft.com/office/drawing/2014/main" id="{8DDDB57C-3C30-49F8-A747-58AA21831307}"/>
               </a:ext>
             </a:extLst>
           </p:cNvPr>
@@ -249,7 +247,7 @@
           <p:cNvPr id="4" name="Date Placeholder 3">
             <a:extLst>
               <a:ext uri="{FF2B5EF4-FFF2-40B4-BE49-F238E27FC236}">
-                <a16:creationId xmlns:a16="http://schemas.microsoft.com/office/drawing/2014/main" xmlns="" id="{486F33EB-8C30-49C8-B5E2-78B7A50BE6D0}"/>
+                <a16:creationId xmlns:a16="http://schemas.microsoft.com/office/drawing/2014/main" id="{486F33EB-8C30-49C8-B5E2-78B7A50BE6D0}"/>
               </a:ext>
             </a:extLst>
           </p:cNvPr>
@@ -267,7 +265,7 @@
           <a:p>
             <a:fld id="{5CE7FD34-0F6F-4542-AC9B-8CC814B81830}" type="datetimeFigureOut">
               <a:rPr lang="en-US" smtClean="0"/>
-              <a:t>10/13/2022</a:t>
+              <a:t>11/29/2022</a:t>
             </a:fld>
             <a:endParaRPr lang="en-US"/>
           </a:p>
@@ -278,7 +276,7 @@
           <p:cNvPr id="5" name="Footer Placeholder 4">
             <a:extLst>
               <a:ext uri="{FF2B5EF4-FFF2-40B4-BE49-F238E27FC236}">
-                <a16:creationId xmlns:a16="http://schemas.microsoft.com/office/drawing/2014/main" xmlns="" id="{1BC5AE56-10B9-4091-B05E-A41AC7B11622}"/>
+                <a16:creationId xmlns:a16="http://schemas.microsoft.com/office/drawing/2014/main" id="{1BC5AE56-10B9-4091-B05E-A41AC7B11622}"/>
               </a:ext>
             </a:extLst>
           </p:cNvPr>
@@ -303,7 +301,7 @@
           <p:cNvPr id="6" name="Slide Number Placeholder 5">
             <a:extLst>
               <a:ext uri="{FF2B5EF4-FFF2-40B4-BE49-F238E27FC236}">
-                <a16:creationId xmlns:a16="http://schemas.microsoft.com/office/drawing/2014/main" xmlns="" id="{EC48751F-6377-4384-90CF-5C015FDDCFF9}"/>
+                <a16:creationId xmlns:a16="http://schemas.microsoft.com/office/drawing/2014/main" id="{EC48751F-6377-4384-90CF-5C015FDDCFF9}"/>
               </a:ext>
             </a:extLst>
           </p:cNvPr>
@@ -362,7 +360,7 @@
           <p:cNvPr id="2" name="Title 1">
             <a:extLst>
               <a:ext uri="{FF2B5EF4-FFF2-40B4-BE49-F238E27FC236}">
-                <a16:creationId xmlns:a16="http://schemas.microsoft.com/office/drawing/2014/main" xmlns="" id="{0B7D2F66-6C5F-4137-950C-B3202A58421E}"/>
+                <a16:creationId xmlns:a16="http://schemas.microsoft.com/office/drawing/2014/main" id="{0B7D2F66-6C5F-4137-950C-B3202A58421E}"/>
               </a:ext>
             </a:extLst>
           </p:cNvPr>
@@ -390,7 +388,7 @@
           <p:cNvPr id="3" name="Vertical Text Placeholder 2">
             <a:extLst>
               <a:ext uri="{FF2B5EF4-FFF2-40B4-BE49-F238E27FC236}">
-                <a16:creationId xmlns:a16="http://schemas.microsoft.com/office/drawing/2014/main" xmlns="" id="{ABDD8974-CC7A-45A5-9A56-0FFEB6C5FBD9}"/>
+                <a16:creationId xmlns:a16="http://schemas.microsoft.com/office/drawing/2014/main" id="{ABDD8974-CC7A-45A5-9A56-0FFEB6C5FBD9}"/>
               </a:ext>
             </a:extLst>
           </p:cNvPr>
@@ -447,7 +445,7 @@
           <p:cNvPr id="4" name="Date Placeholder 3">
             <a:extLst>
               <a:ext uri="{FF2B5EF4-FFF2-40B4-BE49-F238E27FC236}">
-                <a16:creationId xmlns:a16="http://schemas.microsoft.com/office/drawing/2014/main" xmlns="" id="{C86AC6B9-9002-46C5-9BC6-30679222FF41}"/>
+                <a16:creationId xmlns:a16="http://schemas.microsoft.com/office/drawing/2014/main" id="{C86AC6B9-9002-46C5-9BC6-30679222FF41}"/>
               </a:ext>
             </a:extLst>
           </p:cNvPr>
@@ -465,7 +463,7 @@
           <a:p>
             <a:fld id="{5CE7FD34-0F6F-4542-AC9B-8CC814B81830}" type="datetimeFigureOut">
               <a:rPr lang="en-US" smtClean="0"/>
-              <a:t>10/13/2022</a:t>
+              <a:t>11/29/2022</a:t>
             </a:fld>
             <a:endParaRPr lang="en-US"/>
           </a:p>
@@ -476,7 +474,7 @@
           <p:cNvPr id="5" name="Footer Placeholder 4">
             <a:extLst>
               <a:ext uri="{FF2B5EF4-FFF2-40B4-BE49-F238E27FC236}">
-                <a16:creationId xmlns:a16="http://schemas.microsoft.com/office/drawing/2014/main" xmlns="" id="{4B194C07-3159-4E24-BFAC-F5B559F0EBE8}"/>
+                <a16:creationId xmlns:a16="http://schemas.microsoft.com/office/drawing/2014/main" id="{4B194C07-3159-4E24-BFAC-F5B559F0EBE8}"/>
               </a:ext>
             </a:extLst>
           </p:cNvPr>
@@ -501,7 +499,7 @@
           <p:cNvPr id="6" name="Slide Number Placeholder 5">
             <a:extLst>
               <a:ext uri="{FF2B5EF4-FFF2-40B4-BE49-F238E27FC236}">
-                <a16:creationId xmlns:a16="http://schemas.microsoft.com/office/drawing/2014/main" xmlns="" id="{CE7807D1-A649-4CFA-A52A-316E005CF1B3}"/>
+                <a16:creationId xmlns:a16="http://schemas.microsoft.com/office/drawing/2014/main" id="{CE7807D1-A649-4CFA-A52A-316E005CF1B3}"/>
               </a:ext>
             </a:extLst>
           </p:cNvPr>
@@ -560,7 +558,7 @@
           <p:cNvPr id="2" name="Vertical Title 1">
             <a:extLst>
               <a:ext uri="{FF2B5EF4-FFF2-40B4-BE49-F238E27FC236}">
-                <a16:creationId xmlns:a16="http://schemas.microsoft.com/office/drawing/2014/main" xmlns="" id="{8DF55B22-2219-4BBB-8C42-6C273FB4326C}"/>
+                <a16:creationId xmlns:a16="http://schemas.microsoft.com/office/drawing/2014/main" id="{8DF55B22-2219-4BBB-8C42-6C273FB4326C}"/>
               </a:ext>
             </a:extLst>
           </p:cNvPr>
@@ -593,7 +591,7 @@
           <p:cNvPr id="3" name="Vertical Text Placeholder 2">
             <a:extLst>
               <a:ext uri="{FF2B5EF4-FFF2-40B4-BE49-F238E27FC236}">
-                <a16:creationId xmlns:a16="http://schemas.microsoft.com/office/drawing/2014/main" xmlns="" id="{0E15A010-95B3-4B17-8121-D595B9435161}"/>
+                <a16:creationId xmlns:a16="http://schemas.microsoft.com/office/drawing/2014/main" id="{0E15A010-95B3-4B17-8121-D595B9435161}"/>
               </a:ext>
             </a:extLst>
           </p:cNvPr>
@@ -655,7 +653,7 @@
           <p:cNvPr id="4" name="Date Placeholder 3">
             <a:extLst>
               <a:ext uri="{FF2B5EF4-FFF2-40B4-BE49-F238E27FC236}">
-                <a16:creationId xmlns:a16="http://schemas.microsoft.com/office/drawing/2014/main" xmlns="" id="{FD1E8A1E-D729-424C-86BC-D80731E65B6A}"/>
+                <a16:creationId xmlns:a16="http://schemas.microsoft.com/office/drawing/2014/main" id="{FD1E8A1E-D729-424C-86BC-D80731E65B6A}"/>
               </a:ext>
             </a:extLst>
           </p:cNvPr>
@@ -673,7 +671,7 @@
           <a:p>
             <a:fld id="{5CE7FD34-0F6F-4542-AC9B-8CC814B81830}" type="datetimeFigureOut">
               <a:rPr lang="en-US" smtClean="0"/>
-              <a:t>10/13/2022</a:t>
+              <a:t>11/29/2022</a:t>
             </a:fld>
             <a:endParaRPr lang="en-US"/>
           </a:p>
@@ -684,7 +682,7 @@
           <p:cNvPr id="5" name="Footer Placeholder 4">
             <a:extLst>
               <a:ext uri="{FF2B5EF4-FFF2-40B4-BE49-F238E27FC236}">
-                <a16:creationId xmlns:a16="http://schemas.microsoft.com/office/drawing/2014/main" xmlns="" id="{FED67232-E06D-4A26-BA69-062B1DE11C6E}"/>
+                <a16:creationId xmlns:a16="http://schemas.microsoft.com/office/drawing/2014/main" id="{FED67232-E06D-4A26-BA69-062B1DE11C6E}"/>
               </a:ext>
             </a:extLst>
           </p:cNvPr>
@@ -709,7 +707,7 @@
           <p:cNvPr id="6" name="Slide Number Placeholder 5">
             <a:extLst>
               <a:ext uri="{FF2B5EF4-FFF2-40B4-BE49-F238E27FC236}">
-                <a16:creationId xmlns:a16="http://schemas.microsoft.com/office/drawing/2014/main" xmlns="" id="{93BE87BF-951A-46B7-A885-9A651F022413}"/>
+                <a16:creationId xmlns:a16="http://schemas.microsoft.com/office/drawing/2014/main" id="{93BE87BF-951A-46B7-A885-9A651F022413}"/>
               </a:ext>
             </a:extLst>
           </p:cNvPr>
@@ -768,7 +766,7 @@
           <p:cNvPr id="2" name="Title 1">
             <a:extLst>
               <a:ext uri="{FF2B5EF4-FFF2-40B4-BE49-F238E27FC236}">
-                <a16:creationId xmlns:a16="http://schemas.microsoft.com/office/drawing/2014/main" xmlns="" id="{28F59A90-46AC-4294-A6E7-8E178C6B1E6B}"/>
+                <a16:creationId xmlns:a16="http://schemas.microsoft.com/office/drawing/2014/main" id="{28F59A90-46AC-4294-A6E7-8E178C6B1E6B}"/>
               </a:ext>
             </a:extLst>
           </p:cNvPr>
@@ -796,7 +794,7 @@
           <p:cNvPr id="3" name="Content Placeholder 2">
             <a:extLst>
               <a:ext uri="{FF2B5EF4-FFF2-40B4-BE49-F238E27FC236}">
-                <a16:creationId xmlns:a16="http://schemas.microsoft.com/office/drawing/2014/main" xmlns="" id="{2D3D437E-689D-4A6F-ABE6-56D7B930286C}"/>
+                <a16:creationId xmlns:a16="http://schemas.microsoft.com/office/drawing/2014/main" id="{2D3D437E-689D-4A6F-ABE6-56D7B930286C}"/>
               </a:ext>
             </a:extLst>
           </p:cNvPr>
@@ -853,7 +851,7 @@
           <p:cNvPr id="4" name="Date Placeholder 3">
             <a:extLst>
               <a:ext uri="{FF2B5EF4-FFF2-40B4-BE49-F238E27FC236}">
-                <a16:creationId xmlns:a16="http://schemas.microsoft.com/office/drawing/2014/main" xmlns="" id="{FF38D56A-F3E6-4C0F-A445-66B436A1765C}"/>
+                <a16:creationId xmlns:a16="http://schemas.microsoft.com/office/drawing/2014/main" id="{FF38D56A-F3E6-4C0F-A445-66B436A1765C}"/>
               </a:ext>
             </a:extLst>
           </p:cNvPr>
@@ -871,7 +869,7 @@
           <a:p>
             <a:fld id="{5CE7FD34-0F6F-4542-AC9B-8CC814B81830}" type="datetimeFigureOut">
               <a:rPr lang="en-US" smtClean="0"/>
-              <a:t>10/13/2022</a:t>
+              <a:t>11/29/2022</a:t>
             </a:fld>
             <a:endParaRPr lang="en-US"/>
           </a:p>
@@ -882,7 +880,7 @@
           <p:cNvPr id="5" name="Footer Placeholder 4">
             <a:extLst>
               <a:ext uri="{FF2B5EF4-FFF2-40B4-BE49-F238E27FC236}">
-                <a16:creationId xmlns:a16="http://schemas.microsoft.com/office/drawing/2014/main" xmlns="" id="{A3444F28-8B74-41A7-B86A-ADDDAA62F5CA}"/>
+                <a16:creationId xmlns:a16="http://schemas.microsoft.com/office/drawing/2014/main" id="{A3444F28-8B74-41A7-B86A-ADDDAA62F5CA}"/>
               </a:ext>
             </a:extLst>
           </p:cNvPr>
@@ -907,7 +905,7 @@
           <p:cNvPr id="6" name="Slide Number Placeholder 5">
             <a:extLst>
               <a:ext uri="{FF2B5EF4-FFF2-40B4-BE49-F238E27FC236}">
-                <a16:creationId xmlns:a16="http://schemas.microsoft.com/office/drawing/2014/main" xmlns="" id="{A5DBD2D5-AB8B-429B-9C72-3BB225D2B5AC}"/>
+                <a16:creationId xmlns:a16="http://schemas.microsoft.com/office/drawing/2014/main" id="{A5DBD2D5-AB8B-429B-9C72-3BB225D2B5AC}"/>
               </a:ext>
             </a:extLst>
           </p:cNvPr>
@@ -966,7 +964,7 @@
           <p:cNvPr id="2" name="Title 1">
             <a:extLst>
               <a:ext uri="{FF2B5EF4-FFF2-40B4-BE49-F238E27FC236}">
-                <a16:creationId xmlns:a16="http://schemas.microsoft.com/office/drawing/2014/main" xmlns="" id="{CBF00807-43EE-4EBB-A376-9BBB5F2C3475}"/>
+                <a16:creationId xmlns:a16="http://schemas.microsoft.com/office/drawing/2014/main" id="{CBF00807-43EE-4EBB-A376-9BBB5F2C3475}"/>
               </a:ext>
             </a:extLst>
           </p:cNvPr>
@@ -1003,7 +1001,7 @@
           <p:cNvPr id="3" name="Text Placeholder 2">
             <a:extLst>
               <a:ext uri="{FF2B5EF4-FFF2-40B4-BE49-F238E27FC236}">
-                <a16:creationId xmlns:a16="http://schemas.microsoft.com/office/drawing/2014/main" xmlns="" id="{85F3A4DA-E255-41F9-9178-2DD8304A1E59}"/>
+                <a16:creationId xmlns:a16="http://schemas.microsoft.com/office/drawing/2014/main" id="{85F3A4DA-E255-41F9-9178-2DD8304A1E59}"/>
               </a:ext>
             </a:extLst>
           </p:cNvPr>
@@ -1128,7 +1126,7 @@
           <p:cNvPr id="4" name="Date Placeholder 3">
             <a:extLst>
               <a:ext uri="{FF2B5EF4-FFF2-40B4-BE49-F238E27FC236}">
-                <a16:creationId xmlns:a16="http://schemas.microsoft.com/office/drawing/2014/main" xmlns="" id="{71B2D566-67CE-4EEB-8B88-7AD95300A82C}"/>
+                <a16:creationId xmlns:a16="http://schemas.microsoft.com/office/drawing/2014/main" id="{71B2D566-67CE-4EEB-8B88-7AD95300A82C}"/>
               </a:ext>
             </a:extLst>
           </p:cNvPr>
@@ -1146,7 +1144,7 @@
           <a:p>
             <a:fld id="{5CE7FD34-0F6F-4542-AC9B-8CC814B81830}" type="datetimeFigureOut">
               <a:rPr lang="en-US" smtClean="0"/>
-              <a:t>10/13/2022</a:t>
+              <a:t>11/29/2022</a:t>
             </a:fld>
             <a:endParaRPr lang="en-US"/>
           </a:p>
@@ -1157,7 +1155,7 @@
           <p:cNvPr id="5" name="Footer Placeholder 4">
             <a:extLst>
               <a:ext uri="{FF2B5EF4-FFF2-40B4-BE49-F238E27FC236}">
-                <a16:creationId xmlns:a16="http://schemas.microsoft.com/office/drawing/2014/main" xmlns="" id="{2ACE0C7D-F30E-45FA-85BC-049901FAEAAE}"/>
+                <a16:creationId xmlns:a16="http://schemas.microsoft.com/office/drawing/2014/main" id="{2ACE0C7D-F30E-45FA-85BC-049901FAEAAE}"/>
               </a:ext>
             </a:extLst>
           </p:cNvPr>
@@ -1182,7 +1180,7 @@
           <p:cNvPr id="6" name="Slide Number Placeholder 5">
             <a:extLst>
               <a:ext uri="{FF2B5EF4-FFF2-40B4-BE49-F238E27FC236}">
-                <a16:creationId xmlns:a16="http://schemas.microsoft.com/office/drawing/2014/main" xmlns="" id="{FD793082-9E05-4DD9-A63A-F0C0A09B010F}"/>
+                <a16:creationId xmlns:a16="http://schemas.microsoft.com/office/drawing/2014/main" id="{FD793082-9E05-4DD9-A63A-F0C0A09B010F}"/>
               </a:ext>
             </a:extLst>
           </p:cNvPr>
@@ -1241,7 +1239,7 @@
           <p:cNvPr id="2" name="Title 1">
             <a:extLst>
               <a:ext uri="{FF2B5EF4-FFF2-40B4-BE49-F238E27FC236}">
-                <a16:creationId xmlns:a16="http://schemas.microsoft.com/office/drawing/2014/main" xmlns="" id="{C0FD8ACB-F8AA-49B8-9A96-2ABD2FAA99EE}"/>
+                <a16:creationId xmlns:a16="http://schemas.microsoft.com/office/drawing/2014/main" id="{C0FD8ACB-F8AA-49B8-9A96-2ABD2FAA99EE}"/>
               </a:ext>
             </a:extLst>
           </p:cNvPr>
@@ -1269,7 +1267,7 @@
           <p:cNvPr id="3" name="Content Placeholder 2">
             <a:extLst>
               <a:ext uri="{FF2B5EF4-FFF2-40B4-BE49-F238E27FC236}">
-                <a16:creationId xmlns:a16="http://schemas.microsoft.com/office/drawing/2014/main" xmlns="" id="{01AE98CF-99ED-4F14-B1A6-80E3510DE111}"/>
+                <a16:creationId xmlns:a16="http://schemas.microsoft.com/office/drawing/2014/main" id="{01AE98CF-99ED-4F14-B1A6-80E3510DE111}"/>
               </a:ext>
             </a:extLst>
           </p:cNvPr>
@@ -1331,7 +1329,7 @@
           <p:cNvPr id="4" name="Content Placeholder 3">
             <a:extLst>
               <a:ext uri="{FF2B5EF4-FFF2-40B4-BE49-F238E27FC236}">
-                <a16:creationId xmlns:a16="http://schemas.microsoft.com/office/drawing/2014/main" xmlns="" id="{7BC2FD17-078F-4C29-9686-3759BA804AA5}"/>
+                <a16:creationId xmlns:a16="http://schemas.microsoft.com/office/drawing/2014/main" id="{7BC2FD17-078F-4C29-9686-3759BA804AA5}"/>
               </a:ext>
             </a:extLst>
           </p:cNvPr>
@@ -1393,7 +1391,7 @@
           <p:cNvPr id="5" name="Date Placeholder 4">
             <a:extLst>
               <a:ext uri="{FF2B5EF4-FFF2-40B4-BE49-F238E27FC236}">
-                <a16:creationId xmlns:a16="http://schemas.microsoft.com/office/drawing/2014/main" xmlns="" id="{3A21EF4C-3122-4FC8-9A0B-2CFC19AE541C}"/>
+                <a16:creationId xmlns:a16="http://schemas.microsoft.com/office/drawing/2014/main" id="{3A21EF4C-3122-4FC8-9A0B-2CFC19AE541C}"/>
               </a:ext>
             </a:extLst>
           </p:cNvPr>
@@ -1411,7 +1409,7 @@
           <a:p>
             <a:fld id="{5CE7FD34-0F6F-4542-AC9B-8CC814B81830}" type="datetimeFigureOut">
               <a:rPr lang="en-US" smtClean="0"/>
-              <a:t>10/13/2022</a:t>
+              <a:t>11/29/2022</a:t>
             </a:fld>
             <a:endParaRPr lang="en-US"/>
           </a:p>
@@ -1422,7 +1420,7 @@
           <p:cNvPr id="6" name="Footer Placeholder 5">
             <a:extLst>
               <a:ext uri="{FF2B5EF4-FFF2-40B4-BE49-F238E27FC236}">
-                <a16:creationId xmlns:a16="http://schemas.microsoft.com/office/drawing/2014/main" xmlns="" id="{A1ED0096-1E01-4C52-813C-8A64B559495A}"/>
+                <a16:creationId xmlns:a16="http://schemas.microsoft.com/office/drawing/2014/main" id="{A1ED0096-1E01-4C52-813C-8A64B559495A}"/>
               </a:ext>
             </a:extLst>
           </p:cNvPr>
@@ -1447,7 +1445,7 @@
           <p:cNvPr id="7" name="Slide Number Placeholder 6">
             <a:extLst>
               <a:ext uri="{FF2B5EF4-FFF2-40B4-BE49-F238E27FC236}">
-                <a16:creationId xmlns:a16="http://schemas.microsoft.com/office/drawing/2014/main" xmlns="" id="{166B2DB6-AFFB-45C4-A86F-80D003AE9F84}"/>
+                <a16:creationId xmlns:a16="http://schemas.microsoft.com/office/drawing/2014/main" id="{166B2DB6-AFFB-45C4-A86F-80D003AE9F84}"/>
               </a:ext>
             </a:extLst>
           </p:cNvPr>
@@ -1506,7 +1504,7 @@
           <p:cNvPr id="2" name="Title 1">
             <a:extLst>
               <a:ext uri="{FF2B5EF4-FFF2-40B4-BE49-F238E27FC236}">
-                <a16:creationId xmlns:a16="http://schemas.microsoft.com/office/drawing/2014/main" xmlns="" id="{A6720521-85BE-4966-B90C-FCFDB6519BCE}"/>
+                <a16:creationId xmlns:a16="http://schemas.microsoft.com/office/drawing/2014/main" id="{A6720521-85BE-4966-B90C-FCFDB6519BCE}"/>
               </a:ext>
             </a:extLst>
           </p:cNvPr>
@@ -1539,7 +1537,7 @@
           <p:cNvPr id="3" name="Text Placeholder 2">
             <a:extLst>
               <a:ext uri="{FF2B5EF4-FFF2-40B4-BE49-F238E27FC236}">
-                <a16:creationId xmlns:a16="http://schemas.microsoft.com/office/drawing/2014/main" xmlns="" id="{23902820-2BB3-47CA-9A96-08DD24A0E5AA}"/>
+                <a16:creationId xmlns:a16="http://schemas.microsoft.com/office/drawing/2014/main" id="{23902820-2BB3-47CA-9A96-08DD24A0E5AA}"/>
               </a:ext>
             </a:extLst>
           </p:cNvPr>
@@ -1610,7 +1608,7 @@
           <p:cNvPr id="4" name="Content Placeholder 3">
             <a:extLst>
               <a:ext uri="{FF2B5EF4-FFF2-40B4-BE49-F238E27FC236}">
-                <a16:creationId xmlns:a16="http://schemas.microsoft.com/office/drawing/2014/main" xmlns="" id="{8701542C-D45C-40BA-945E-F674BAEEA305}"/>
+                <a16:creationId xmlns:a16="http://schemas.microsoft.com/office/drawing/2014/main" id="{8701542C-D45C-40BA-945E-F674BAEEA305}"/>
               </a:ext>
             </a:extLst>
           </p:cNvPr>
@@ -1672,7 +1670,7 @@
           <p:cNvPr id="5" name="Text Placeholder 4">
             <a:extLst>
               <a:ext uri="{FF2B5EF4-FFF2-40B4-BE49-F238E27FC236}">
-                <a16:creationId xmlns:a16="http://schemas.microsoft.com/office/drawing/2014/main" xmlns="" id="{8B0B911F-2417-425B-A58B-56AC9346BA37}"/>
+                <a16:creationId xmlns:a16="http://schemas.microsoft.com/office/drawing/2014/main" id="{8B0B911F-2417-425B-A58B-56AC9346BA37}"/>
               </a:ext>
             </a:extLst>
           </p:cNvPr>
@@ -1743,7 +1741,7 @@
           <p:cNvPr id="6" name="Content Placeholder 5">
             <a:extLst>
               <a:ext uri="{FF2B5EF4-FFF2-40B4-BE49-F238E27FC236}">
-                <a16:creationId xmlns:a16="http://schemas.microsoft.com/office/drawing/2014/main" xmlns="" id="{A78B49A8-1A36-4E84-9BDA-49BAAE673006}"/>
+                <a16:creationId xmlns:a16="http://schemas.microsoft.com/office/drawing/2014/main" id="{A78B49A8-1A36-4E84-9BDA-49BAAE673006}"/>
               </a:ext>
             </a:extLst>
           </p:cNvPr>
@@ -1805,7 +1803,7 @@
           <p:cNvPr id="7" name="Date Placeholder 6">
             <a:extLst>
               <a:ext uri="{FF2B5EF4-FFF2-40B4-BE49-F238E27FC236}">
-                <a16:creationId xmlns:a16="http://schemas.microsoft.com/office/drawing/2014/main" xmlns="" id="{0D28031E-9652-49A8-BF79-5486728DB0A5}"/>
+                <a16:creationId xmlns:a16="http://schemas.microsoft.com/office/drawing/2014/main" id="{0D28031E-9652-49A8-BF79-5486728DB0A5}"/>
               </a:ext>
             </a:extLst>
           </p:cNvPr>
@@ -1823,7 +1821,7 @@
           <a:p>
             <a:fld id="{5CE7FD34-0F6F-4542-AC9B-8CC814B81830}" type="datetimeFigureOut">
               <a:rPr lang="en-US" smtClean="0"/>
-              <a:t>10/13/2022</a:t>
+              <a:t>11/29/2022</a:t>
             </a:fld>
             <a:endParaRPr lang="en-US"/>
           </a:p>
@@ -1834,7 +1832,7 @@
           <p:cNvPr id="8" name="Footer Placeholder 7">
             <a:extLst>
               <a:ext uri="{FF2B5EF4-FFF2-40B4-BE49-F238E27FC236}">
-                <a16:creationId xmlns:a16="http://schemas.microsoft.com/office/drawing/2014/main" xmlns="" id="{53E2409D-0D32-4E22-B044-86ED9FE6231F}"/>
+                <a16:creationId xmlns:a16="http://schemas.microsoft.com/office/drawing/2014/main" id="{53E2409D-0D32-4E22-B044-86ED9FE6231F}"/>
               </a:ext>
             </a:extLst>
           </p:cNvPr>
@@ -1859,7 +1857,7 @@
           <p:cNvPr id="9" name="Slide Number Placeholder 8">
             <a:extLst>
               <a:ext uri="{FF2B5EF4-FFF2-40B4-BE49-F238E27FC236}">
-                <a16:creationId xmlns:a16="http://schemas.microsoft.com/office/drawing/2014/main" xmlns="" id="{F9DA0000-61F7-4EA3-8957-097D922AD7DC}"/>
+                <a16:creationId xmlns:a16="http://schemas.microsoft.com/office/drawing/2014/main" id="{F9DA0000-61F7-4EA3-8957-097D922AD7DC}"/>
               </a:ext>
             </a:extLst>
           </p:cNvPr>
@@ -1918,7 +1916,7 @@
           <p:cNvPr id="2" name="Title 1">
             <a:extLst>
               <a:ext uri="{FF2B5EF4-FFF2-40B4-BE49-F238E27FC236}">
-                <a16:creationId xmlns:a16="http://schemas.microsoft.com/office/drawing/2014/main" xmlns="" id="{AE972EDE-0BB9-4BAF-95F7-CD63A9550EFC}"/>
+                <a16:creationId xmlns:a16="http://schemas.microsoft.com/office/drawing/2014/main" id="{AE972EDE-0BB9-4BAF-95F7-CD63A9550EFC}"/>
               </a:ext>
             </a:extLst>
           </p:cNvPr>
@@ -1946,7 +1944,7 @@
           <p:cNvPr id="3" name="Date Placeholder 2">
             <a:extLst>
               <a:ext uri="{FF2B5EF4-FFF2-40B4-BE49-F238E27FC236}">
-                <a16:creationId xmlns:a16="http://schemas.microsoft.com/office/drawing/2014/main" xmlns="" id="{5AEF427F-ECC6-4203-8467-19AC19C2E7CA}"/>
+                <a16:creationId xmlns:a16="http://schemas.microsoft.com/office/drawing/2014/main" id="{5AEF427F-ECC6-4203-8467-19AC19C2E7CA}"/>
               </a:ext>
             </a:extLst>
           </p:cNvPr>
@@ -1964,7 +1962,7 @@
           <a:p>
             <a:fld id="{5CE7FD34-0F6F-4542-AC9B-8CC814B81830}" type="datetimeFigureOut">
               <a:rPr lang="en-US" smtClean="0"/>
-              <a:t>10/13/2022</a:t>
+              <a:t>11/29/2022</a:t>
             </a:fld>
             <a:endParaRPr lang="en-US"/>
           </a:p>
@@ -1975,7 +1973,7 @@
           <p:cNvPr id="4" name="Footer Placeholder 3">
             <a:extLst>
               <a:ext uri="{FF2B5EF4-FFF2-40B4-BE49-F238E27FC236}">
-                <a16:creationId xmlns:a16="http://schemas.microsoft.com/office/drawing/2014/main" xmlns="" id="{23B4573D-966B-481E-8C68-EF2DDB09264D}"/>
+                <a16:creationId xmlns:a16="http://schemas.microsoft.com/office/drawing/2014/main" id="{23B4573D-966B-481E-8C68-EF2DDB09264D}"/>
               </a:ext>
             </a:extLst>
           </p:cNvPr>
@@ -2000,7 +1998,7 @@
           <p:cNvPr id="5" name="Slide Number Placeholder 4">
             <a:extLst>
               <a:ext uri="{FF2B5EF4-FFF2-40B4-BE49-F238E27FC236}">
-                <a16:creationId xmlns:a16="http://schemas.microsoft.com/office/drawing/2014/main" xmlns="" id="{12B6C92F-8B20-4AC1-A863-DF58C358B92F}"/>
+                <a16:creationId xmlns:a16="http://schemas.microsoft.com/office/drawing/2014/main" id="{12B6C92F-8B20-4AC1-A863-DF58C358B92F}"/>
               </a:ext>
             </a:extLst>
           </p:cNvPr>
@@ -2059,7 +2057,7 @@
           <p:cNvPr id="2" name="Date Placeholder 1">
             <a:extLst>
               <a:ext uri="{FF2B5EF4-FFF2-40B4-BE49-F238E27FC236}">
-                <a16:creationId xmlns:a16="http://schemas.microsoft.com/office/drawing/2014/main" xmlns="" id="{D34EC84B-9105-4192-967E-53593651E5FB}"/>
+                <a16:creationId xmlns:a16="http://schemas.microsoft.com/office/drawing/2014/main" id="{D34EC84B-9105-4192-967E-53593651E5FB}"/>
               </a:ext>
             </a:extLst>
           </p:cNvPr>
@@ -2077,7 +2075,7 @@
           <a:p>
             <a:fld id="{5CE7FD34-0F6F-4542-AC9B-8CC814B81830}" type="datetimeFigureOut">
               <a:rPr lang="en-US" smtClean="0"/>
-              <a:t>10/13/2022</a:t>
+              <a:t>11/29/2022</a:t>
             </a:fld>
             <a:endParaRPr lang="en-US"/>
           </a:p>
@@ -2088,7 +2086,7 @@
           <p:cNvPr id="3" name="Footer Placeholder 2">
             <a:extLst>
               <a:ext uri="{FF2B5EF4-FFF2-40B4-BE49-F238E27FC236}">
-                <a16:creationId xmlns:a16="http://schemas.microsoft.com/office/drawing/2014/main" xmlns="" id="{EDECD2CA-E9ED-4268-9E94-1CBAA04B6E96}"/>
+                <a16:creationId xmlns:a16="http://schemas.microsoft.com/office/drawing/2014/main" id="{EDECD2CA-E9ED-4268-9E94-1CBAA04B6E96}"/>
               </a:ext>
             </a:extLst>
           </p:cNvPr>
@@ -2113,7 +2111,7 @@
           <p:cNvPr id="4" name="Slide Number Placeholder 3">
             <a:extLst>
               <a:ext uri="{FF2B5EF4-FFF2-40B4-BE49-F238E27FC236}">
-                <a16:creationId xmlns:a16="http://schemas.microsoft.com/office/drawing/2014/main" xmlns="" id="{40CCD4DC-57FF-4180-98EA-FCEA967BA516}"/>
+                <a16:creationId xmlns:a16="http://schemas.microsoft.com/office/drawing/2014/main" id="{40CCD4DC-57FF-4180-98EA-FCEA967BA516}"/>
               </a:ext>
             </a:extLst>
           </p:cNvPr>
@@ -2172,7 +2170,7 @@
           <p:cNvPr id="2" name="Title 1">
             <a:extLst>
               <a:ext uri="{FF2B5EF4-FFF2-40B4-BE49-F238E27FC236}">
-                <a16:creationId xmlns:a16="http://schemas.microsoft.com/office/drawing/2014/main" xmlns="" id="{3FE3DDD2-E845-47C6-A538-E4F13012435D}"/>
+                <a16:creationId xmlns:a16="http://schemas.microsoft.com/office/drawing/2014/main" id="{3FE3DDD2-E845-47C6-A538-E4F13012435D}"/>
               </a:ext>
             </a:extLst>
           </p:cNvPr>
@@ -2209,7 +2207,7 @@
           <p:cNvPr id="3" name="Content Placeholder 2">
             <a:extLst>
               <a:ext uri="{FF2B5EF4-FFF2-40B4-BE49-F238E27FC236}">
-                <a16:creationId xmlns:a16="http://schemas.microsoft.com/office/drawing/2014/main" xmlns="" id="{D8C9F93D-2D50-4ED8-A0FA-D83B106BB049}"/>
+                <a16:creationId xmlns:a16="http://schemas.microsoft.com/office/drawing/2014/main" id="{D8C9F93D-2D50-4ED8-A0FA-D83B106BB049}"/>
               </a:ext>
             </a:extLst>
           </p:cNvPr>
@@ -2299,7 +2297,7 @@
           <p:cNvPr id="4" name="Text Placeholder 3">
             <a:extLst>
               <a:ext uri="{FF2B5EF4-FFF2-40B4-BE49-F238E27FC236}">
-                <a16:creationId xmlns:a16="http://schemas.microsoft.com/office/drawing/2014/main" xmlns="" id="{78C39E95-0F97-486E-B5BF-59439869CAF4}"/>
+                <a16:creationId xmlns:a16="http://schemas.microsoft.com/office/drawing/2014/main" id="{78C39E95-0F97-486E-B5BF-59439869CAF4}"/>
               </a:ext>
             </a:extLst>
           </p:cNvPr>
@@ -2370,7 +2368,7 @@
           <p:cNvPr id="5" name="Date Placeholder 4">
             <a:extLst>
               <a:ext uri="{FF2B5EF4-FFF2-40B4-BE49-F238E27FC236}">
-                <a16:creationId xmlns:a16="http://schemas.microsoft.com/office/drawing/2014/main" xmlns="" id="{5542E711-7E54-4A5D-A769-BCDF177F9D07}"/>
+                <a16:creationId xmlns:a16="http://schemas.microsoft.com/office/drawing/2014/main" id="{5542E711-7E54-4A5D-A769-BCDF177F9D07}"/>
               </a:ext>
             </a:extLst>
           </p:cNvPr>
@@ -2388,7 +2386,7 @@
           <a:p>
             <a:fld id="{5CE7FD34-0F6F-4542-AC9B-8CC814B81830}" type="datetimeFigureOut">
               <a:rPr lang="en-US" smtClean="0"/>
-              <a:t>10/13/2022</a:t>
+              <a:t>11/29/2022</a:t>
             </a:fld>
             <a:endParaRPr lang="en-US"/>
           </a:p>
@@ -2399,7 +2397,7 @@
           <p:cNvPr id="6" name="Footer Placeholder 5">
             <a:extLst>
               <a:ext uri="{FF2B5EF4-FFF2-40B4-BE49-F238E27FC236}">
-                <a16:creationId xmlns:a16="http://schemas.microsoft.com/office/drawing/2014/main" xmlns="" id="{4EEFA3CA-B5AC-45A7-AE58-EA219EBD70AC}"/>
+                <a16:creationId xmlns:a16="http://schemas.microsoft.com/office/drawing/2014/main" id="{4EEFA3CA-B5AC-45A7-AE58-EA219EBD70AC}"/>
               </a:ext>
             </a:extLst>
           </p:cNvPr>
@@ -2424,7 +2422,7 @@
           <p:cNvPr id="7" name="Slide Number Placeholder 6">
             <a:extLst>
               <a:ext uri="{FF2B5EF4-FFF2-40B4-BE49-F238E27FC236}">
-                <a16:creationId xmlns:a16="http://schemas.microsoft.com/office/drawing/2014/main" xmlns="" id="{EDDC6D92-BE87-40C5-9994-F4D82FFBCF05}"/>
+                <a16:creationId xmlns:a16="http://schemas.microsoft.com/office/drawing/2014/main" id="{EDDC6D92-BE87-40C5-9994-F4D82FFBCF05}"/>
               </a:ext>
             </a:extLst>
           </p:cNvPr>
@@ -2483,7 +2481,7 @@
           <p:cNvPr id="2" name="Title 1">
             <a:extLst>
               <a:ext uri="{FF2B5EF4-FFF2-40B4-BE49-F238E27FC236}">
-                <a16:creationId xmlns:a16="http://schemas.microsoft.com/office/drawing/2014/main" xmlns="" id="{D35A22D7-E25B-4E67-A662-6017BE715651}"/>
+                <a16:creationId xmlns:a16="http://schemas.microsoft.com/office/drawing/2014/main" id="{D35A22D7-E25B-4E67-A662-6017BE715651}"/>
               </a:ext>
             </a:extLst>
           </p:cNvPr>
@@ -2520,7 +2518,7 @@
           <p:cNvPr id="3" name="Picture Placeholder 2">
             <a:extLst>
               <a:ext uri="{FF2B5EF4-FFF2-40B4-BE49-F238E27FC236}">
-                <a16:creationId xmlns:a16="http://schemas.microsoft.com/office/drawing/2014/main" xmlns="" id="{BAC25C1A-E23F-4068-BCB8-5154D0623ABF}"/>
+                <a16:creationId xmlns:a16="http://schemas.microsoft.com/office/drawing/2014/main" id="{BAC25C1A-E23F-4068-BCB8-5154D0623ABF}"/>
               </a:ext>
             </a:extLst>
           </p:cNvPr>
@@ -2587,7 +2585,7 @@
           <p:cNvPr id="4" name="Text Placeholder 3">
             <a:extLst>
               <a:ext uri="{FF2B5EF4-FFF2-40B4-BE49-F238E27FC236}">
-                <a16:creationId xmlns:a16="http://schemas.microsoft.com/office/drawing/2014/main" xmlns="" id="{5037FFE2-C629-4842-BDC4-362A7DC38811}"/>
+                <a16:creationId xmlns:a16="http://schemas.microsoft.com/office/drawing/2014/main" id="{5037FFE2-C629-4842-BDC4-362A7DC38811}"/>
               </a:ext>
             </a:extLst>
           </p:cNvPr>
@@ -2658,7 +2656,7 @@
           <p:cNvPr id="5" name="Date Placeholder 4">
             <a:extLst>
               <a:ext uri="{FF2B5EF4-FFF2-40B4-BE49-F238E27FC236}">
-                <a16:creationId xmlns:a16="http://schemas.microsoft.com/office/drawing/2014/main" xmlns="" id="{C344708F-7767-4A4D-A67E-BEA6F1D5DBAD}"/>
+                <a16:creationId xmlns:a16="http://schemas.microsoft.com/office/drawing/2014/main" id="{C344708F-7767-4A4D-A67E-BEA6F1D5DBAD}"/>
               </a:ext>
             </a:extLst>
           </p:cNvPr>
@@ -2676,7 +2674,7 @@
           <a:p>
             <a:fld id="{5CE7FD34-0F6F-4542-AC9B-8CC814B81830}" type="datetimeFigureOut">
               <a:rPr lang="en-US" smtClean="0"/>
-              <a:t>10/13/2022</a:t>
+              <a:t>11/29/2022</a:t>
             </a:fld>
             <a:endParaRPr lang="en-US"/>
           </a:p>
@@ -2687,7 +2685,7 @@
           <p:cNvPr id="6" name="Footer Placeholder 5">
             <a:extLst>
               <a:ext uri="{FF2B5EF4-FFF2-40B4-BE49-F238E27FC236}">
-                <a16:creationId xmlns:a16="http://schemas.microsoft.com/office/drawing/2014/main" xmlns="" id="{1B4DC2C3-EB8A-4BD5-ABA7-0F79853EAF4B}"/>
+                <a16:creationId xmlns:a16="http://schemas.microsoft.com/office/drawing/2014/main" id="{1B4DC2C3-EB8A-4BD5-ABA7-0F79853EAF4B}"/>
               </a:ext>
             </a:extLst>
           </p:cNvPr>
@@ -2712,7 +2710,7 @@
           <p:cNvPr id="7" name="Slide Number Placeholder 6">
             <a:extLst>
               <a:ext uri="{FF2B5EF4-FFF2-40B4-BE49-F238E27FC236}">
-                <a16:creationId xmlns:a16="http://schemas.microsoft.com/office/drawing/2014/main" xmlns="" id="{2440B882-CBE1-477E-88BB-DDE646D923AC}"/>
+                <a16:creationId xmlns:a16="http://schemas.microsoft.com/office/drawing/2014/main" id="{2440B882-CBE1-477E-88BB-DDE646D923AC}"/>
               </a:ext>
             </a:extLst>
           </p:cNvPr>
@@ -2776,7 +2774,7 @@
           <p:cNvPr id="2" name="Title Placeholder 1">
             <a:extLst>
               <a:ext uri="{FF2B5EF4-FFF2-40B4-BE49-F238E27FC236}">
-                <a16:creationId xmlns:a16="http://schemas.microsoft.com/office/drawing/2014/main" xmlns="" id="{371D1D04-2843-43F3-8AB2-FA6DEE76638F}"/>
+                <a16:creationId xmlns:a16="http://schemas.microsoft.com/office/drawing/2014/main" id="{371D1D04-2843-43F3-8AB2-FA6DEE76638F}"/>
               </a:ext>
             </a:extLst>
           </p:cNvPr>
@@ -2814,7 +2812,7 @@
           <p:cNvPr id="3" name="Text Placeholder 2">
             <a:extLst>
               <a:ext uri="{FF2B5EF4-FFF2-40B4-BE49-F238E27FC236}">
-                <a16:creationId xmlns:a16="http://schemas.microsoft.com/office/drawing/2014/main" xmlns="" id="{A809124F-EC7E-44AA-B4B3-670E7C2947FE}"/>
+                <a16:creationId xmlns:a16="http://schemas.microsoft.com/office/drawing/2014/main" id="{A809124F-EC7E-44AA-B4B3-670E7C2947FE}"/>
               </a:ext>
             </a:extLst>
           </p:cNvPr>
@@ -2881,7 +2879,7 @@
           <p:cNvPr id="4" name="Date Placeholder 3">
             <a:extLst>
               <a:ext uri="{FF2B5EF4-FFF2-40B4-BE49-F238E27FC236}">
-                <a16:creationId xmlns:a16="http://schemas.microsoft.com/office/drawing/2014/main" xmlns="" id="{8031B6E7-39DB-4EAB-B4D8-796A6C49BDA0}"/>
+                <a16:creationId xmlns:a16="http://schemas.microsoft.com/office/drawing/2014/main" id="{8031B6E7-39DB-4EAB-B4D8-796A6C49BDA0}"/>
               </a:ext>
             </a:extLst>
           </p:cNvPr>
@@ -2917,7 +2915,7 @@
           <a:p>
             <a:fld id="{5CE7FD34-0F6F-4542-AC9B-8CC814B81830}" type="datetimeFigureOut">
               <a:rPr lang="en-US" smtClean="0"/>
-              <a:t>10/13/2022</a:t>
+              <a:t>11/29/2022</a:t>
             </a:fld>
             <a:endParaRPr lang="en-US"/>
           </a:p>
@@ -2928,7 +2926,7 @@
           <p:cNvPr id="5" name="Footer Placeholder 4">
             <a:extLst>
               <a:ext uri="{FF2B5EF4-FFF2-40B4-BE49-F238E27FC236}">
-                <a16:creationId xmlns:a16="http://schemas.microsoft.com/office/drawing/2014/main" xmlns="" id="{E54A0D76-BADE-4A11-85F3-50CDB057D24C}"/>
+                <a16:creationId xmlns:a16="http://schemas.microsoft.com/office/drawing/2014/main" id="{E54A0D76-BADE-4A11-85F3-50CDB057D24C}"/>
               </a:ext>
             </a:extLst>
           </p:cNvPr>
@@ -2971,7 +2969,7 @@
           <p:cNvPr id="6" name="Slide Number Placeholder 5">
             <a:extLst>
               <a:ext uri="{FF2B5EF4-FFF2-40B4-BE49-F238E27FC236}">
-                <a16:creationId xmlns:a16="http://schemas.microsoft.com/office/drawing/2014/main" xmlns="" id="{2C6F15E2-375B-46C4-A985-374320EB26D3}"/>
+                <a16:creationId xmlns:a16="http://schemas.microsoft.com/office/drawing/2014/main" id="{2C6F15E2-375B-46C4-A985-374320EB26D3}"/>
               </a:ext>
             </a:extLst>
           </p:cNvPr>
@@ -3339,7 +3337,7 @@
           <p:cNvPr id="5" name="Picture 4">
             <a:extLst>
               <a:ext uri="{FF2B5EF4-FFF2-40B4-BE49-F238E27FC236}">
-                <a16:creationId xmlns:a16="http://schemas.microsoft.com/office/drawing/2014/main" xmlns="" id="{AE6EC64B-6E60-42F7-BD85-8B1F6334AFA4}"/>
+                <a16:creationId xmlns:a16="http://schemas.microsoft.com/office/drawing/2014/main" id="{AE6EC64B-6E60-42F7-BD85-8B1F6334AFA4}"/>
               </a:ext>
             </a:extLst>
           </p:cNvPr>
@@ -3373,7 +3371,7 @@
           <p:cNvPr id="7" name="Picture 6">
             <a:extLst>
               <a:ext uri="{FF2B5EF4-FFF2-40B4-BE49-F238E27FC236}">
-                <a16:creationId xmlns:a16="http://schemas.microsoft.com/office/drawing/2014/main" xmlns="" id="{09D7BF7D-4009-4EC0-9266-0DA04B4B141A}"/>
+                <a16:creationId xmlns:a16="http://schemas.microsoft.com/office/drawing/2014/main" id="{09D7BF7D-4009-4EC0-9266-0DA04B4B141A}"/>
               </a:ext>
             </a:extLst>
           </p:cNvPr>
@@ -3407,7 +3405,7 @@
           <p:cNvPr id="9" name="Picture 8">
             <a:extLst>
               <a:ext uri="{FF2B5EF4-FFF2-40B4-BE49-F238E27FC236}">
-                <a16:creationId xmlns:a16="http://schemas.microsoft.com/office/drawing/2014/main" xmlns="" id="{F704A009-111B-40C7-8AFC-CB410EFC54D1}"/>
+                <a16:creationId xmlns:a16="http://schemas.microsoft.com/office/drawing/2014/main" id="{F704A009-111B-40C7-8AFC-CB410EFC54D1}"/>
               </a:ext>
             </a:extLst>
           </p:cNvPr>
@@ -3441,7 +3439,7 @@
           <p:cNvPr id="11" name="Picture 10">
             <a:extLst>
               <a:ext uri="{FF2B5EF4-FFF2-40B4-BE49-F238E27FC236}">
-                <a16:creationId xmlns:a16="http://schemas.microsoft.com/office/drawing/2014/main" xmlns="" id="{A2787BD2-C53D-4FC3-80EA-4AFF43E010C1}"/>
+                <a16:creationId xmlns:a16="http://schemas.microsoft.com/office/drawing/2014/main" id="{A2787BD2-C53D-4FC3-80EA-4AFF43E010C1}"/>
               </a:ext>
             </a:extLst>
           </p:cNvPr>
@@ -3475,7 +3473,7 @@
           <p:cNvPr id="13" name="Picture 12">
             <a:extLst>
               <a:ext uri="{FF2B5EF4-FFF2-40B4-BE49-F238E27FC236}">
-                <a16:creationId xmlns:a16="http://schemas.microsoft.com/office/drawing/2014/main" xmlns="" id="{8ADA403B-A803-4CAA-B320-85EF1100A092}"/>
+                <a16:creationId xmlns:a16="http://schemas.microsoft.com/office/drawing/2014/main" id="{8ADA403B-A803-4CAA-B320-85EF1100A092}"/>
               </a:ext>
             </a:extLst>
           </p:cNvPr>
@@ -3534,46 +3532,175 @@
           <a:chExt cx="0" cy="0"/>
         </a:xfrm>
       </p:grpSpPr>
-      <p:sp>
-        <p:nvSpPr>
-          <p:cNvPr id="4" name="TextBox 3">
-            <a:extLst>
-              <a:ext uri="{FF2B5EF4-FFF2-40B4-BE49-F238E27FC236}">
-                <a16:creationId xmlns:a16="http://schemas.microsoft.com/office/drawing/2014/main" xmlns="" id="{14C00895-188C-4530-9450-11C533E5AB0D}"/>
-              </a:ext>
-            </a:extLst>
-          </p:cNvPr>
-          <p:cNvSpPr txBox="1"/>
+      <p:pic>
+        <p:nvPicPr>
+          <p:cNvPr id="5" name="Picture 4">
+            <a:extLst>
+              <a:ext uri="{FF2B5EF4-FFF2-40B4-BE49-F238E27FC236}">
+                <a16:creationId xmlns:a16="http://schemas.microsoft.com/office/drawing/2014/main" id="{5E86B62A-C019-4F81-9840-55F90132B0FD}"/>
+              </a:ext>
+            </a:extLst>
+          </p:cNvPr>
+          <p:cNvPicPr>
+            <a:picLocks noChangeAspect="1"/>
+          </p:cNvPicPr>
           <p:nvPr/>
-        </p:nvSpPr>
+        </p:nvPicPr>
+        <p:blipFill>
+          <a:blip r:embed="rId2"/>
+          <a:stretch>
+            <a:fillRect/>
+          </a:stretch>
+        </p:blipFill>
         <p:spPr>
           <a:xfrm>
-            <a:off x="5334766" y="2613991"/>
-            <a:ext cx="1522468" cy="523220"/>
+            <a:off x="214891" y="219653"/>
+            <a:ext cx="5123728" cy="1716579"/>
           </a:xfrm>
           <a:prstGeom prst="rect">
             <a:avLst/>
           </a:prstGeom>
-          <a:noFill/>
+          <a:ln>
+            <a:solidFill>
+              <a:schemeClr val="tx1"/>
+            </a:solidFill>
+          </a:ln>
         </p:spPr>
-        <p:txBody>
-          <a:bodyPr wrap="none" rtlCol="0">
-            <a:spAutoFit/>
-          </a:bodyPr>
-          <a:lstStyle/>
-          <a:p>
-            <a:r>
-              <a:rPr lang="en-IN" sz="2800" dirty="0"/>
-              <a:t>DISTINCT</a:t>
-            </a:r>
-            <a:endParaRPr lang="en-US" sz="2800" dirty="0"/>
-          </a:p>
-        </p:txBody>
-      </p:sp>
+      </p:pic>
+      <p:pic>
+        <p:nvPicPr>
+          <p:cNvPr id="7" name="Picture 6">
+            <a:extLst>
+              <a:ext uri="{FF2B5EF4-FFF2-40B4-BE49-F238E27FC236}">
+                <a16:creationId xmlns:a16="http://schemas.microsoft.com/office/drawing/2014/main" id="{3D44AA96-F086-447A-BA89-72446B2CC59A}"/>
+              </a:ext>
+            </a:extLst>
+          </p:cNvPr>
+          <p:cNvPicPr>
+            <a:picLocks noChangeAspect="1"/>
+          </p:cNvPicPr>
+          <p:nvPr/>
+        </p:nvPicPr>
+        <p:blipFill>
+          <a:blip r:embed="rId3"/>
+          <a:stretch>
+            <a:fillRect/>
+          </a:stretch>
+        </p:blipFill>
+        <p:spPr>
+          <a:xfrm>
+            <a:off x="214891" y="2113107"/>
+            <a:ext cx="2032040" cy="2441863"/>
+          </a:xfrm>
+          <a:prstGeom prst="rect">
+            <a:avLst/>
+          </a:prstGeom>
+          <a:ln>
+            <a:solidFill>
+              <a:schemeClr val="tx1"/>
+            </a:solidFill>
+          </a:ln>
+        </p:spPr>
+      </p:pic>
+      <p:pic>
+        <p:nvPicPr>
+          <p:cNvPr id="9" name="Picture 8">
+            <a:extLst>
+              <a:ext uri="{FF2B5EF4-FFF2-40B4-BE49-F238E27FC236}">
+                <a16:creationId xmlns:a16="http://schemas.microsoft.com/office/drawing/2014/main" id="{4298D756-F1FF-4328-B819-B75E25C59091}"/>
+              </a:ext>
+            </a:extLst>
+          </p:cNvPr>
+          <p:cNvPicPr>
+            <a:picLocks noChangeAspect="1"/>
+          </p:cNvPicPr>
+          <p:nvPr/>
+        </p:nvPicPr>
+        <p:blipFill>
+          <a:blip r:embed="rId4"/>
+          <a:stretch>
+            <a:fillRect/>
+          </a:stretch>
+        </p:blipFill>
+        <p:spPr>
+          <a:xfrm>
+            <a:off x="1668505" y="3935845"/>
+            <a:ext cx="437386" cy="546733"/>
+          </a:xfrm>
+          <a:prstGeom prst="rect">
+            <a:avLst/>
+          </a:prstGeom>
+        </p:spPr>
+      </p:pic>
+      <p:pic>
+        <p:nvPicPr>
+          <p:cNvPr id="11" name="Picture 10">
+            <a:extLst>
+              <a:ext uri="{FF2B5EF4-FFF2-40B4-BE49-F238E27FC236}">
+                <a16:creationId xmlns:a16="http://schemas.microsoft.com/office/drawing/2014/main" id="{8A11421E-8085-4439-A383-9475F29487C8}"/>
+              </a:ext>
+            </a:extLst>
+          </p:cNvPr>
+          <p:cNvPicPr>
+            <a:picLocks noChangeAspect="1"/>
+          </p:cNvPicPr>
+          <p:nvPr/>
+        </p:nvPicPr>
+        <p:blipFill>
+          <a:blip r:embed="rId5"/>
+          <a:stretch>
+            <a:fillRect/>
+          </a:stretch>
+        </p:blipFill>
+        <p:spPr>
+          <a:xfrm>
+            <a:off x="2419782" y="2113107"/>
+            <a:ext cx="1760061" cy="3003838"/>
+          </a:xfrm>
+          <a:prstGeom prst="rect">
+            <a:avLst/>
+          </a:prstGeom>
+          <a:ln>
+            <a:solidFill>
+              <a:schemeClr val="tx1"/>
+            </a:solidFill>
+          </a:ln>
+        </p:spPr>
+      </p:pic>
+      <p:pic>
+        <p:nvPicPr>
+          <p:cNvPr id="13" name="Picture 12">
+            <a:extLst>
+              <a:ext uri="{FF2B5EF4-FFF2-40B4-BE49-F238E27FC236}">
+                <a16:creationId xmlns:a16="http://schemas.microsoft.com/office/drawing/2014/main" id="{A1D95986-A133-49F8-AF28-AB5E39C97498}"/>
+              </a:ext>
+            </a:extLst>
+          </p:cNvPr>
+          <p:cNvPicPr>
+            <a:picLocks noChangeAspect="1"/>
+          </p:cNvPicPr>
+          <p:nvPr/>
+        </p:nvPicPr>
+        <p:blipFill>
+          <a:blip r:embed="rId6"/>
+          <a:stretch>
+            <a:fillRect/>
+          </a:stretch>
+        </p:blipFill>
+        <p:spPr>
+          <a:xfrm>
+            <a:off x="3728253" y="3784455"/>
+            <a:ext cx="391164" cy="529701"/>
+          </a:xfrm>
+          <a:prstGeom prst="rect">
+            <a:avLst/>
+          </a:prstGeom>
+        </p:spPr>
+      </p:pic>
     </p:spTree>
     <p:extLst>
       <p:ext uri="{BB962C8B-B14F-4D97-AF65-F5344CB8AC3E}">
-        <p14:creationId xmlns:p14="http://schemas.microsoft.com/office/powerpoint/2010/main" val="1234430760"/>
+        <p14:creationId xmlns:p14="http://schemas.microsoft.com/office/powerpoint/2010/main" val="1607062739"/>
       </p:ext>
     </p:extLst>
   </p:cSld>
@@ -3600,12 +3727,78 @@
           <a:chExt cx="0" cy="0"/>
         </a:xfrm>
       </p:grpSpPr>
+      <p:sp>
+        <p:nvSpPr>
+          <p:cNvPr id="4" name="TextBox 3">
+            <a:extLst>
+              <a:ext uri="{FF2B5EF4-FFF2-40B4-BE49-F238E27FC236}">
+                <a16:creationId xmlns:a16="http://schemas.microsoft.com/office/drawing/2014/main" id="{14C00895-188C-4530-9450-11C533E5AB0D}"/>
+              </a:ext>
+            </a:extLst>
+          </p:cNvPr>
+          <p:cNvSpPr txBox="1"/>
+          <p:nvPr/>
+        </p:nvSpPr>
+        <p:spPr>
+          <a:xfrm>
+            <a:off x="5334766" y="2613991"/>
+            <a:ext cx="1522468" cy="523220"/>
+          </a:xfrm>
+          <a:prstGeom prst="rect">
+            <a:avLst/>
+          </a:prstGeom>
+          <a:noFill/>
+        </p:spPr>
+        <p:txBody>
+          <a:bodyPr wrap="none" rtlCol="0">
+            <a:spAutoFit/>
+          </a:bodyPr>
+          <a:lstStyle/>
+          <a:p>
+            <a:r>
+              <a:rPr lang="en-IN" sz="2800" dirty="0"/>
+              <a:t>DISTINCT</a:t>
+            </a:r>
+            <a:endParaRPr lang="en-US" sz="2800" dirty="0"/>
+          </a:p>
+        </p:txBody>
+      </p:sp>
+    </p:spTree>
+    <p:extLst>
+      <p:ext uri="{BB962C8B-B14F-4D97-AF65-F5344CB8AC3E}">
+        <p14:creationId xmlns:p14="http://schemas.microsoft.com/office/powerpoint/2010/main" val="1234430760"/>
+      </p:ext>
+    </p:extLst>
+  </p:cSld>
+  <p:clrMapOvr>
+    <a:masterClrMapping/>
+  </p:clrMapOvr>
+</p:sld>
+</file>
+
+<file path=ppt/slides/slide4.xml><?xml version="1.0" encoding="utf-8"?>
+<p:sld xmlns:a="http://schemas.openxmlformats.org/drawingml/2006/main" xmlns:r="http://schemas.openxmlformats.org/officeDocument/2006/relationships" xmlns:p="http://schemas.openxmlformats.org/presentationml/2006/main">
+  <p:cSld>
+    <p:spTree>
+      <p:nvGrpSpPr>
+        <p:cNvPr id="1" name=""/>
+        <p:cNvGrpSpPr/>
+        <p:nvPr/>
+      </p:nvGrpSpPr>
+      <p:grpSpPr>
+        <a:xfrm>
+          <a:off x="0" y="0"/>
+          <a:ext cx="0" cy="0"/>
+          <a:chOff x="0" y="0"/>
+          <a:chExt cx="0" cy="0"/>
+        </a:xfrm>
+      </p:grpSpPr>
       <p:pic>
         <p:nvPicPr>
           <p:cNvPr id="3" name="Picture 2">
             <a:extLst>
               <a:ext uri="{FF2B5EF4-FFF2-40B4-BE49-F238E27FC236}">
-                <a16:creationId xmlns:a16="http://schemas.microsoft.com/office/drawing/2014/main" xmlns="" id="{4951CC9C-13BB-4696-B84E-1BA160FD809E}"/>
+                <a16:creationId xmlns:a16="http://schemas.microsoft.com/office/drawing/2014/main" id="{4951CC9C-13BB-4696-B84E-1BA160FD809E}"/>
               </a:ext>
             </a:extLst>
           </p:cNvPr>
@@ -3639,7 +3832,7 @@
           <p:cNvPr id="5" name="Picture 4">
             <a:extLst>
               <a:ext uri="{FF2B5EF4-FFF2-40B4-BE49-F238E27FC236}">
-                <a16:creationId xmlns:a16="http://schemas.microsoft.com/office/drawing/2014/main" xmlns="" id="{90FCB328-C8FD-410D-80A0-B96A377399ED}"/>
+                <a16:creationId xmlns:a16="http://schemas.microsoft.com/office/drawing/2014/main" id="{90FCB328-C8FD-410D-80A0-B96A377399ED}"/>
               </a:ext>
             </a:extLst>
           </p:cNvPr>
@@ -3673,7 +3866,7 @@
           <p:cNvPr id="7" name="Picture 6">
             <a:extLst>
               <a:ext uri="{FF2B5EF4-FFF2-40B4-BE49-F238E27FC236}">
-                <a16:creationId xmlns:a16="http://schemas.microsoft.com/office/drawing/2014/main" xmlns="" id="{CBA1EBFA-5DA1-4526-A0FF-380A9DC9F08F}"/>
+                <a16:creationId xmlns:a16="http://schemas.microsoft.com/office/drawing/2014/main" id="{CBA1EBFA-5DA1-4526-A0FF-380A9DC9F08F}"/>
               </a:ext>
             </a:extLst>
           </p:cNvPr>
@@ -3708,7 +3901,7 @@
           <p:cNvPr id="9" name="Picture 8">
             <a:extLst>
               <a:ext uri="{FF2B5EF4-FFF2-40B4-BE49-F238E27FC236}">
-                <a16:creationId xmlns:a16="http://schemas.microsoft.com/office/drawing/2014/main" xmlns="" id="{A7E8697F-7AE7-4F88-B6B8-04E1C8D95FCF}"/>
+                <a16:creationId xmlns:a16="http://schemas.microsoft.com/office/drawing/2014/main" id="{A7E8697F-7AE7-4F88-B6B8-04E1C8D95FCF}"/>
               </a:ext>
             </a:extLst>
           </p:cNvPr>
@@ -3750,72 +3943,6 @@
 </p:sld>
 </file>
 
-<file path=ppt/slides/slide4.xml><?xml version="1.0" encoding="utf-8"?>
-<p:sld xmlns:a="http://schemas.openxmlformats.org/drawingml/2006/main" xmlns:r="http://schemas.openxmlformats.org/officeDocument/2006/relationships" xmlns:p="http://schemas.openxmlformats.org/presentationml/2006/main">
-  <p:cSld>
-    <p:spTree>
-      <p:nvGrpSpPr>
-        <p:cNvPr id="1" name=""/>
-        <p:cNvGrpSpPr/>
-        <p:nvPr/>
-      </p:nvGrpSpPr>
-      <p:grpSpPr>
-        <a:xfrm>
-          <a:off x="0" y="0"/>
-          <a:ext cx="0" cy="0"/>
-          <a:chOff x="0" y="0"/>
-          <a:chExt cx="0" cy="0"/>
-        </a:xfrm>
-      </p:grpSpPr>
-      <p:sp>
-        <p:nvSpPr>
-          <p:cNvPr id="4" name="TextBox 3">
-            <a:extLst>
-              <a:ext uri="{FF2B5EF4-FFF2-40B4-BE49-F238E27FC236}">
-                <a16:creationId xmlns:a16="http://schemas.microsoft.com/office/drawing/2014/main" xmlns="" id="{14C00895-188C-4530-9450-11C533E5AB0D}"/>
-              </a:ext>
-            </a:extLst>
-          </p:cNvPr>
-          <p:cNvSpPr txBox="1"/>
-          <p:nvPr/>
-        </p:nvSpPr>
-        <p:spPr>
-          <a:xfrm>
-            <a:off x="5200323" y="2332638"/>
-            <a:ext cx="1207382" cy="523220"/>
-          </a:xfrm>
-          <a:prstGeom prst="rect">
-            <a:avLst/>
-          </a:prstGeom>
-          <a:noFill/>
-        </p:spPr>
-        <p:txBody>
-          <a:bodyPr wrap="none" rtlCol="0">
-            <a:spAutoFit/>
-          </a:bodyPr>
-          <a:lstStyle/>
-          <a:p>
-            <a:r>
-              <a:rPr lang="en-US" sz="2800" dirty="0" smtClean="0"/>
-              <a:t>UNION</a:t>
-            </a:r>
-            <a:endParaRPr lang="en-US" sz="2800" dirty="0"/>
-          </a:p>
-        </p:txBody>
-      </p:sp>
-    </p:spTree>
-    <p:extLst>
-      <p:ext uri="{BB962C8B-B14F-4D97-AF65-F5344CB8AC3E}">
-        <p14:creationId xmlns:p14="http://schemas.microsoft.com/office/powerpoint/2010/main" val="2490660366"/>
-      </p:ext>
-    </p:extLst>
-  </p:cSld>
-  <p:clrMapOvr>
-    <a:masterClrMapping/>
-  </p:clrMapOvr>
-</p:sld>
-</file>
-
 <file path=ppt/slides/slide5.xml><?xml version="1.0" encoding="utf-8"?>
 <p:sld xmlns:a="http://schemas.openxmlformats.org/drawingml/2006/main" xmlns:r="http://schemas.openxmlformats.org/officeDocument/2006/relationships" xmlns:p="http://schemas.openxmlformats.org/presentationml/2006/main">
   <p:cSld>
@@ -3833,206 +3960,46 @@
           <a:chExt cx="0" cy="0"/>
         </a:xfrm>
       </p:grpSpPr>
-      <p:pic>
-        <p:nvPicPr>
-          <p:cNvPr id="4" name="Picture 3"/>
-          <p:cNvPicPr>
-            <a:picLocks noChangeAspect="1"/>
-          </p:cNvPicPr>
+      <p:sp>
+        <p:nvSpPr>
+          <p:cNvPr id="4" name="TextBox 3">
+            <a:extLst>
+              <a:ext uri="{FF2B5EF4-FFF2-40B4-BE49-F238E27FC236}">
+                <a16:creationId xmlns:a16="http://schemas.microsoft.com/office/drawing/2014/main" id="{14C00895-188C-4530-9450-11C533E5AB0D}"/>
+              </a:ext>
+            </a:extLst>
+          </p:cNvPr>
+          <p:cNvSpPr txBox="1"/>
           <p:nvPr/>
-        </p:nvPicPr>
-        <p:blipFill>
-          <a:blip r:embed="rId2"/>
-          <a:stretch>
-            <a:fillRect/>
-          </a:stretch>
-        </p:blipFill>
+        </p:nvSpPr>
         <p:spPr>
           <a:xfrm>
-            <a:off x="200450" y="197395"/>
-            <a:ext cx="4740039" cy="4094737"/>
-          </a:xfrm>
-          <a:prstGeom prst="rect">
-            <a:avLst/>
-          </a:prstGeom>
-          <a:ln w="15875">
-            <a:solidFill>
-              <a:schemeClr val="tx1"/>
-            </a:solidFill>
-          </a:ln>
-        </p:spPr>
-      </p:pic>
-      <p:pic>
-        <p:nvPicPr>
-          <p:cNvPr id="5" name="Picture 4"/>
-          <p:cNvPicPr>
-            <a:picLocks noChangeAspect="1"/>
-          </p:cNvPicPr>
-          <p:nvPr/>
-        </p:nvPicPr>
-        <p:blipFill>
-          <a:blip r:embed="rId3"/>
-          <a:stretch>
-            <a:fillRect/>
-          </a:stretch>
-        </p:blipFill>
-        <p:spPr>
-          <a:xfrm>
-            <a:off x="5060633" y="197395"/>
-            <a:ext cx="2127958" cy="2056630"/>
-          </a:xfrm>
-          <a:prstGeom prst="rect">
-            <a:avLst/>
-          </a:prstGeom>
-          <a:ln w="15875">
-            <a:solidFill>
-              <a:schemeClr val="tx1"/>
-            </a:solidFill>
-          </a:ln>
-        </p:spPr>
-      </p:pic>
-      <p:sp>
-        <p:nvSpPr>
-          <p:cNvPr id="6" name="Rectangle 5"/>
-          <p:cNvSpPr/>
-          <p:nvPr/>
-        </p:nvSpPr>
-        <p:spPr>
-          <a:xfrm>
-            <a:off x="200450" y="689317"/>
-            <a:ext cx="4740039" cy="1069144"/>
+            <a:off x="5334766" y="2613991"/>
+            <a:ext cx="1698798" cy="523220"/>
           </a:xfrm>
           <a:prstGeom prst="rect">
             <a:avLst/>
           </a:prstGeom>
           <a:noFill/>
-          <a:ln w="22225">
-            <a:solidFill>
-              <a:srgbClr val="FF0000"/>
-            </a:solidFill>
-          </a:ln>
         </p:spPr>
-        <p:style>
-          <a:lnRef idx="2">
-            <a:schemeClr val="accent1">
-              <a:shade val="50000"/>
-            </a:schemeClr>
-          </a:lnRef>
-          <a:fillRef idx="1">
-            <a:schemeClr val="accent1"/>
-          </a:fillRef>
-          <a:effectRef idx="0">
-            <a:schemeClr val="accent1"/>
-          </a:effectRef>
-          <a:fontRef idx="minor">
-            <a:schemeClr val="lt1"/>
-          </a:fontRef>
-        </p:style>
-        <p:txBody>
-          <a:bodyPr rtlCol="0" anchor="ctr"/>
-          <a:lstStyle/>
-          <a:p>
-            <a:pPr algn="ctr"/>
-            <a:endParaRPr lang="en-IN"/>
-          </a:p>
-        </p:txBody>
-      </p:sp>
-      <p:sp>
-        <p:nvSpPr>
-          <p:cNvPr id="7" name="Rectangle 6"/>
-          <p:cNvSpPr/>
-          <p:nvPr/>
-        </p:nvSpPr>
-        <p:spPr>
-          <a:xfrm>
-            <a:off x="200449" y="1927277"/>
-            <a:ext cx="4740039" cy="1069144"/>
-          </a:xfrm>
-          <a:prstGeom prst="rect">
-            <a:avLst/>
-          </a:prstGeom>
-          <a:noFill/>
-          <a:ln w="22225">
-            <a:solidFill>
-              <a:srgbClr val="FF0000"/>
-            </a:solidFill>
-          </a:ln>
-        </p:spPr>
-        <p:style>
-          <a:lnRef idx="2">
-            <a:schemeClr val="accent1">
-              <a:shade val="50000"/>
-            </a:schemeClr>
-          </a:lnRef>
-          <a:fillRef idx="1">
-            <a:schemeClr val="accent1"/>
-          </a:fillRef>
-          <a:effectRef idx="0">
-            <a:schemeClr val="accent1"/>
-          </a:effectRef>
-          <a:fontRef idx="minor">
-            <a:schemeClr val="lt1"/>
-          </a:fontRef>
-        </p:style>
-        <p:txBody>
-          <a:bodyPr rtlCol="0" anchor="ctr"/>
-          <a:lstStyle/>
-          <a:p>
-            <a:pPr algn="ctr"/>
-            <a:endParaRPr lang="en-IN"/>
-          </a:p>
-        </p:txBody>
-      </p:sp>
-      <p:sp>
-        <p:nvSpPr>
-          <p:cNvPr id="8" name="Rectangle 7"/>
-          <p:cNvSpPr/>
-          <p:nvPr/>
-        </p:nvSpPr>
-        <p:spPr>
-          <a:xfrm>
-            <a:off x="200448" y="3530547"/>
-            <a:ext cx="4740039" cy="761585"/>
-          </a:xfrm>
-          <a:prstGeom prst="rect">
-            <a:avLst/>
-          </a:prstGeom>
-          <a:noFill/>
-          <a:ln w="22225">
-            <a:solidFill>
-              <a:srgbClr val="FF0000"/>
-            </a:solidFill>
-          </a:ln>
-        </p:spPr>
-        <p:style>
-          <a:lnRef idx="2">
-            <a:schemeClr val="accent1">
-              <a:shade val="50000"/>
-            </a:schemeClr>
-          </a:lnRef>
-          <a:fillRef idx="1">
-            <a:schemeClr val="accent1"/>
-          </a:fillRef>
-          <a:effectRef idx="0">
-            <a:schemeClr val="accent1"/>
-          </a:effectRef>
-          <a:fontRef idx="minor">
-            <a:schemeClr val="lt1"/>
-          </a:fontRef>
-        </p:style>
-        <p:txBody>
-          <a:bodyPr rtlCol="0" anchor="ctr"/>
-          <a:lstStyle/>
-          <a:p>
-            <a:pPr algn="ctr"/>
-            <a:endParaRPr lang="en-IN"/>
+        <p:txBody>
+          <a:bodyPr wrap="none" rtlCol="0">
+            <a:spAutoFit/>
+          </a:bodyPr>
+          <a:lstStyle/>
+          <a:p>
+            <a:r>
+              <a:rPr lang="en-IN" sz="2800" dirty="0"/>
+              <a:t>GROUP BY</a:t>
+            </a:r>
+            <a:endParaRPr lang="en-US" sz="2800" dirty="0"/>
           </a:p>
         </p:txBody>
       </p:sp>
     </p:spTree>
     <p:extLst>
       <p:ext uri="{BB962C8B-B14F-4D97-AF65-F5344CB8AC3E}">
-        <p14:creationId xmlns:p14="http://schemas.microsoft.com/office/powerpoint/2010/main" val="506904653"/>
+        <p14:creationId xmlns:p14="http://schemas.microsoft.com/office/powerpoint/2010/main" val="1855488311"/>
       </p:ext>
     </p:extLst>
   </p:cSld>
@@ -4059,46 +4026,40 @@
           <a:chExt cx="0" cy="0"/>
         </a:xfrm>
       </p:grpSpPr>
-      <p:sp>
-        <p:nvSpPr>
-          <p:cNvPr id="4" name="TextBox 3">
-            <a:extLst>
-              <a:ext uri="{FF2B5EF4-FFF2-40B4-BE49-F238E27FC236}">
-                <a16:creationId xmlns:a16="http://schemas.microsoft.com/office/drawing/2014/main" xmlns="" id="{14C00895-188C-4530-9450-11C533E5AB0D}"/>
-              </a:ext>
-            </a:extLst>
-          </p:cNvPr>
-          <p:cNvSpPr txBox="1"/>
+      <p:pic>
+        <p:nvPicPr>
+          <p:cNvPr id="3" name="Picture 2">
+            <a:extLst>
+              <a:ext uri="{FF2B5EF4-FFF2-40B4-BE49-F238E27FC236}">
+                <a16:creationId xmlns:a16="http://schemas.microsoft.com/office/drawing/2014/main" id="{B45F713E-1932-4098-B838-6B093762E5A4}"/>
+              </a:ext>
+            </a:extLst>
+          </p:cNvPr>
+          <p:cNvPicPr>
+            <a:picLocks noChangeAspect="1"/>
+          </p:cNvPicPr>
           <p:nvPr/>
-        </p:nvSpPr>
+        </p:nvPicPr>
+        <p:blipFill>
+          <a:blip r:embed="rId2"/>
+          <a:stretch>
+            <a:fillRect/>
+          </a:stretch>
+        </p:blipFill>
         <p:spPr>
           <a:xfrm>
-            <a:off x="5334766" y="2613991"/>
-            <a:ext cx="1698798" cy="523220"/>
+            <a:off x="260051" y="230757"/>
+            <a:ext cx="3483813" cy="2329353"/>
           </a:xfrm>
           <a:prstGeom prst="rect">
             <a:avLst/>
           </a:prstGeom>
-          <a:noFill/>
         </p:spPr>
-        <p:txBody>
-          <a:bodyPr wrap="none" rtlCol="0">
-            <a:spAutoFit/>
-          </a:bodyPr>
-          <a:lstStyle/>
-          <a:p>
-            <a:r>
-              <a:rPr lang="en-IN" sz="2800" dirty="0"/>
-              <a:t>GROUP BY</a:t>
-            </a:r>
-            <a:endParaRPr lang="en-US" sz="2800" dirty="0"/>
-          </a:p>
-        </p:txBody>
-      </p:sp>
+      </p:pic>
     </p:spTree>
     <p:extLst>
       <p:ext uri="{BB962C8B-B14F-4D97-AF65-F5344CB8AC3E}">
-        <p14:creationId xmlns:p14="http://schemas.microsoft.com/office/powerpoint/2010/main" val="1855488311"/>
+        <p14:creationId xmlns:p14="http://schemas.microsoft.com/office/powerpoint/2010/main" val="1097938381"/>
       </p:ext>
     </p:extLst>
   </p:cSld>
@@ -4125,267 +4086,12 @@
           <a:chExt cx="0" cy="0"/>
         </a:xfrm>
       </p:grpSpPr>
-      <p:pic>
-        <p:nvPicPr>
-          <p:cNvPr id="4" name="Picture 3"/>
-          <p:cNvPicPr>
-            <a:picLocks noChangeAspect="1"/>
-          </p:cNvPicPr>
-          <p:nvPr/>
-        </p:nvPicPr>
-        <p:blipFill>
-          <a:blip r:embed="rId2"/>
-          <a:stretch>
-            <a:fillRect/>
-          </a:stretch>
-        </p:blipFill>
-        <p:spPr>
-          <a:xfrm>
-            <a:off x="200450" y="197395"/>
-            <a:ext cx="4740039" cy="4094737"/>
-          </a:xfrm>
-          <a:prstGeom prst="rect">
-            <a:avLst/>
-          </a:prstGeom>
-          <a:ln w="15875">
-            <a:solidFill>
-              <a:schemeClr val="tx1"/>
-            </a:solidFill>
-          </a:ln>
-        </p:spPr>
-      </p:pic>
-      <p:pic>
-        <p:nvPicPr>
-          <p:cNvPr id="5" name="Picture 4"/>
-          <p:cNvPicPr>
-            <a:picLocks noChangeAspect="1"/>
-          </p:cNvPicPr>
-          <p:nvPr/>
-        </p:nvPicPr>
-        <p:blipFill>
-          <a:blip r:embed="rId3"/>
-          <a:stretch>
-            <a:fillRect/>
-          </a:stretch>
-        </p:blipFill>
-        <p:spPr>
-          <a:xfrm>
-            <a:off x="5060633" y="197395"/>
-            <a:ext cx="2127958" cy="2056630"/>
-          </a:xfrm>
-          <a:prstGeom prst="rect">
-            <a:avLst/>
-          </a:prstGeom>
-          <a:ln w="15875">
-            <a:solidFill>
-              <a:schemeClr val="tx1"/>
-            </a:solidFill>
-          </a:ln>
-        </p:spPr>
-      </p:pic>
-      <p:sp>
-        <p:nvSpPr>
-          <p:cNvPr id="6" name="Rectangle 5"/>
-          <p:cNvSpPr/>
-          <p:nvPr/>
-        </p:nvSpPr>
-        <p:spPr>
-          <a:xfrm>
-            <a:off x="200450" y="689317"/>
-            <a:ext cx="4740039" cy="1069144"/>
-          </a:xfrm>
-          <a:prstGeom prst="rect">
-            <a:avLst/>
-          </a:prstGeom>
-          <a:noFill/>
-          <a:ln w="22225">
-            <a:solidFill>
-              <a:srgbClr val="FF0000"/>
-            </a:solidFill>
-          </a:ln>
-        </p:spPr>
-        <p:style>
-          <a:lnRef idx="2">
-            <a:schemeClr val="accent1">
-              <a:shade val="50000"/>
-            </a:schemeClr>
-          </a:lnRef>
-          <a:fillRef idx="1">
-            <a:schemeClr val="accent1"/>
-          </a:fillRef>
-          <a:effectRef idx="0">
-            <a:schemeClr val="accent1"/>
-          </a:effectRef>
-          <a:fontRef idx="minor">
-            <a:schemeClr val="lt1"/>
-          </a:fontRef>
-        </p:style>
-        <p:txBody>
-          <a:bodyPr rtlCol="0" anchor="ctr"/>
-          <a:lstStyle/>
-          <a:p>
-            <a:pPr algn="ctr"/>
-            <a:endParaRPr lang="en-IN"/>
-          </a:p>
-        </p:txBody>
-      </p:sp>
-      <p:sp>
-        <p:nvSpPr>
-          <p:cNvPr id="7" name="Rectangle 6"/>
-          <p:cNvSpPr/>
-          <p:nvPr/>
-        </p:nvSpPr>
-        <p:spPr>
-          <a:xfrm>
-            <a:off x="200449" y="1927277"/>
-            <a:ext cx="4740039" cy="1069144"/>
-          </a:xfrm>
-          <a:prstGeom prst="rect">
-            <a:avLst/>
-          </a:prstGeom>
-          <a:noFill/>
-          <a:ln w="22225">
-            <a:solidFill>
-              <a:srgbClr val="FF0000"/>
-            </a:solidFill>
-          </a:ln>
-        </p:spPr>
-        <p:style>
-          <a:lnRef idx="2">
-            <a:schemeClr val="accent1">
-              <a:shade val="50000"/>
-            </a:schemeClr>
-          </a:lnRef>
-          <a:fillRef idx="1">
-            <a:schemeClr val="accent1"/>
-          </a:fillRef>
-          <a:effectRef idx="0">
-            <a:schemeClr val="accent1"/>
-          </a:effectRef>
-          <a:fontRef idx="minor">
-            <a:schemeClr val="lt1"/>
-          </a:fontRef>
-        </p:style>
-        <p:txBody>
-          <a:bodyPr rtlCol="0" anchor="ctr"/>
-          <a:lstStyle/>
-          <a:p>
-            <a:pPr algn="ctr"/>
-            <a:endParaRPr lang="en-IN"/>
-          </a:p>
-        </p:txBody>
-      </p:sp>
-      <p:sp>
-        <p:nvSpPr>
-          <p:cNvPr id="8" name="Rectangle 7"/>
-          <p:cNvSpPr/>
-          <p:nvPr/>
-        </p:nvSpPr>
-        <p:spPr>
-          <a:xfrm>
-            <a:off x="200448" y="3530547"/>
-            <a:ext cx="4740039" cy="761585"/>
-          </a:xfrm>
-          <a:prstGeom prst="rect">
-            <a:avLst/>
-          </a:prstGeom>
-          <a:noFill/>
-          <a:ln w="22225">
-            <a:solidFill>
-              <a:srgbClr val="FF0000"/>
-            </a:solidFill>
-          </a:ln>
-        </p:spPr>
-        <p:style>
-          <a:lnRef idx="2">
-            <a:schemeClr val="accent1">
-              <a:shade val="50000"/>
-            </a:schemeClr>
-          </a:lnRef>
-          <a:fillRef idx="1">
-            <a:schemeClr val="accent1"/>
-          </a:fillRef>
-          <a:effectRef idx="0">
-            <a:schemeClr val="accent1"/>
-          </a:effectRef>
-          <a:fontRef idx="minor">
-            <a:schemeClr val="lt1"/>
-          </a:fontRef>
-        </p:style>
-        <p:txBody>
-          <a:bodyPr rtlCol="0" anchor="ctr"/>
-          <a:lstStyle/>
-          <a:p>
-            <a:pPr algn="ctr"/>
-            <a:endParaRPr lang="en-IN"/>
-          </a:p>
-        </p:txBody>
-      </p:sp>
-      <p:pic>
-        <p:nvPicPr>
-          <p:cNvPr id="9" name="Picture 8"/>
-          <p:cNvPicPr>
-            <a:picLocks noChangeAspect="1"/>
-          </p:cNvPicPr>
-          <p:nvPr/>
-        </p:nvPicPr>
-        <p:blipFill>
-          <a:blip r:embed="rId4"/>
-          <a:stretch>
-            <a:fillRect/>
-          </a:stretch>
-        </p:blipFill>
-        <p:spPr>
-          <a:xfrm>
-            <a:off x="5060632" y="2461855"/>
-            <a:ext cx="3365916" cy="1695153"/>
-          </a:xfrm>
-          <a:prstGeom prst="rect">
-            <a:avLst/>
-          </a:prstGeom>
-          <a:ln w="15875">
-            <a:solidFill>
-              <a:schemeClr val="tx1"/>
-            </a:solidFill>
-          </a:ln>
-        </p:spPr>
-      </p:pic>
-    </p:spTree>
-    <p:extLst>
-      <p:ext uri="{BB962C8B-B14F-4D97-AF65-F5344CB8AC3E}">
-        <p14:creationId xmlns:p14="http://schemas.microsoft.com/office/powerpoint/2010/main" val="1960549707"/>
-      </p:ext>
-    </p:extLst>
-  </p:cSld>
-  <p:clrMapOvr>
-    <a:masterClrMapping/>
-  </p:clrMapOvr>
-</p:sld>
-</file>
-
-<file path=ppt/slides/slide8.xml><?xml version="1.0" encoding="utf-8"?>
-<p:sld xmlns:a="http://schemas.openxmlformats.org/drawingml/2006/main" xmlns:r="http://schemas.openxmlformats.org/officeDocument/2006/relationships" xmlns:p="http://schemas.openxmlformats.org/presentationml/2006/main">
-  <p:cSld>
-    <p:spTree>
-      <p:nvGrpSpPr>
-        <p:cNvPr id="1" name=""/>
-        <p:cNvGrpSpPr/>
-        <p:nvPr/>
-      </p:nvGrpSpPr>
-      <p:grpSpPr>
-        <a:xfrm>
-          <a:off x="0" y="0"/>
-          <a:ext cx="0" cy="0"/>
-          <a:chOff x="0" y="0"/>
-          <a:chExt cx="0" cy="0"/>
-        </a:xfrm>
-      </p:grpSpPr>
       <p:sp>
         <p:nvSpPr>
           <p:cNvPr id="4" name="TextBox 3">
             <a:extLst>
               <a:ext uri="{FF2B5EF4-FFF2-40B4-BE49-F238E27FC236}">
-                <a16:creationId xmlns:a16="http://schemas.microsoft.com/office/drawing/2014/main" xmlns="" id="{14C00895-188C-4530-9450-11C533E5AB0D}"/>
+                <a16:creationId xmlns:a16="http://schemas.microsoft.com/office/drawing/2014/main" id="{14C00895-188C-4530-9450-11C533E5AB0D}"/>
               </a:ext>
             </a:extLst>
           </p:cNvPr>
@@ -4420,232 +4126,6 @@
     <p:extLst>
       <p:ext uri="{BB962C8B-B14F-4D97-AF65-F5344CB8AC3E}">
         <p14:creationId xmlns:p14="http://schemas.microsoft.com/office/powerpoint/2010/main" val="3760440635"/>
-      </p:ext>
-    </p:extLst>
-  </p:cSld>
-  <p:clrMapOvr>
-    <a:masterClrMapping/>
-  </p:clrMapOvr>
-</p:sld>
-</file>
-
-<file path=ppt/slides/slide9.xml><?xml version="1.0" encoding="utf-8"?>
-<p:sld xmlns:a="http://schemas.openxmlformats.org/drawingml/2006/main" xmlns:r="http://schemas.openxmlformats.org/officeDocument/2006/relationships" xmlns:p="http://schemas.openxmlformats.org/presentationml/2006/main">
-  <p:cSld>
-    <p:spTree>
-      <p:nvGrpSpPr>
-        <p:cNvPr id="1" name=""/>
-        <p:cNvGrpSpPr/>
-        <p:nvPr/>
-      </p:nvGrpSpPr>
-      <p:grpSpPr>
-        <a:xfrm>
-          <a:off x="0" y="0"/>
-          <a:ext cx="0" cy="0"/>
-          <a:chOff x="0" y="0"/>
-          <a:chExt cx="0" cy="0"/>
-        </a:xfrm>
-      </p:grpSpPr>
-      <p:pic>
-        <p:nvPicPr>
-          <p:cNvPr id="2" name="Picture 1"/>
-          <p:cNvPicPr>
-            <a:picLocks noChangeAspect="1"/>
-          </p:cNvPicPr>
-          <p:nvPr/>
-        </p:nvPicPr>
-        <p:blipFill>
-          <a:blip r:embed="rId2"/>
-          <a:stretch>
-            <a:fillRect/>
-          </a:stretch>
-        </p:blipFill>
-        <p:spPr>
-          <a:xfrm>
-            <a:off x="5159105" y="197395"/>
-            <a:ext cx="2929817" cy="2229209"/>
-          </a:xfrm>
-          <a:prstGeom prst="rect">
-            <a:avLst/>
-          </a:prstGeom>
-          <a:ln w="15875">
-            <a:solidFill>
-              <a:schemeClr val="tx1"/>
-            </a:solidFill>
-          </a:ln>
-        </p:spPr>
-      </p:pic>
-      <p:pic>
-        <p:nvPicPr>
-          <p:cNvPr id="3" name="Picture 2"/>
-          <p:cNvPicPr>
-            <a:picLocks noChangeAspect="1"/>
-          </p:cNvPicPr>
-          <p:nvPr/>
-        </p:nvPicPr>
-        <p:blipFill>
-          <a:blip r:embed="rId3"/>
-          <a:stretch>
-            <a:fillRect/>
-          </a:stretch>
-        </p:blipFill>
-        <p:spPr>
-          <a:xfrm>
-            <a:off x="200450" y="197395"/>
-            <a:ext cx="4740039" cy="4094737"/>
-          </a:xfrm>
-          <a:prstGeom prst="rect">
-            <a:avLst/>
-          </a:prstGeom>
-          <a:ln w="15875">
-            <a:solidFill>
-              <a:schemeClr val="tx1"/>
-            </a:solidFill>
-          </a:ln>
-        </p:spPr>
-      </p:pic>
-      <p:sp>
-        <p:nvSpPr>
-          <p:cNvPr id="4" name="Rectangle 3"/>
-          <p:cNvSpPr/>
-          <p:nvPr/>
-        </p:nvSpPr>
-        <p:spPr>
-          <a:xfrm>
-            <a:off x="200450" y="689317"/>
-            <a:ext cx="4740039" cy="1069144"/>
-          </a:xfrm>
-          <a:prstGeom prst="rect">
-            <a:avLst/>
-          </a:prstGeom>
-          <a:noFill/>
-          <a:ln w="22225">
-            <a:solidFill>
-              <a:srgbClr val="FF0000"/>
-            </a:solidFill>
-          </a:ln>
-        </p:spPr>
-        <p:style>
-          <a:lnRef idx="2">
-            <a:schemeClr val="accent1">
-              <a:shade val="50000"/>
-            </a:schemeClr>
-          </a:lnRef>
-          <a:fillRef idx="1">
-            <a:schemeClr val="accent1"/>
-          </a:fillRef>
-          <a:effectRef idx="0">
-            <a:schemeClr val="accent1"/>
-          </a:effectRef>
-          <a:fontRef idx="minor">
-            <a:schemeClr val="lt1"/>
-          </a:fontRef>
-        </p:style>
-        <p:txBody>
-          <a:bodyPr rtlCol="0" anchor="ctr"/>
-          <a:lstStyle/>
-          <a:p>
-            <a:pPr algn="ctr"/>
-            <a:endParaRPr lang="en-IN"/>
-          </a:p>
-        </p:txBody>
-      </p:sp>
-      <p:sp>
-        <p:nvSpPr>
-          <p:cNvPr id="5" name="Rectangle 4"/>
-          <p:cNvSpPr/>
-          <p:nvPr/>
-        </p:nvSpPr>
-        <p:spPr>
-          <a:xfrm>
-            <a:off x="200449" y="1927277"/>
-            <a:ext cx="4740039" cy="1069144"/>
-          </a:xfrm>
-          <a:prstGeom prst="rect">
-            <a:avLst/>
-          </a:prstGeom>
-          <a:noFill/>
-          <a:ln w="22225">
-            <a:solidFill>
-              <a:srgbClr val="FF0000"/>
-            </a:solidFill>
-          </a:ln>
-        </p:spPr>
-        <p:style>
-          <a:lnRef idx="2">
-            <a:schemeClr val="accent1">
-              <a:shade val="50000"/>
-            </a:schemeClr>
-          </a:lnRef>
-          <a:fillRef idx="1">
-            <a:schemeClr val="accent1"/>
-          </a:fillRef>
-          <a:effectRef idx="0">
-            <a:schemeClr val="accent1"/>
-          </a:effectRef>
-          <a:fontRef idx="minor">
-            <a:schemeClr val="lt1"/>
-          </a:fontRef>
-        </p:style>
-        <p:txBody>
-          <a:bodyPr rtlCol="0" anchor="ctr"/>
-          <a:lstStyle/>
-          <a:p>
-            <a:pPr algn="ctr"/>
-            <a:endParaRPr lang="en-IN"/>
-          </a:p>
-        </p:txBody>
-      </p:sp>
-      <p:sp>
-        <p:nvSpPr>
-          <p:cNvPr id="6" name="Rectangle 5"/>
-          <p:cNvSpPr/>
-          <p:nvPr/>
-        </p:nvSpPr>
-        <p:spPr>
-          <a:xfrm>
-            <a:off x="200448" y="3530547"/>
-            <a:ext cx="4740039" cy="761585"/>
-          </a:xfrm>
-          <a:prstGeom prst="rect">
-            <a:avLst/>
-          </a:prstGeom>
-          <a:noFill/>
-          <a:ln w="22225">
-            <a:solidFill>
-              <a:srgbClr val="FF0000"/>
-            </a:solidFill>
-          </a:ln>
-        </p:spPr>
-        <p:style>
-          <a:lnRef idx="2">
-            <a:schemeClr val="accent1">
-              <a:shade val="50000"/>
-            </a:schemeClr>
-          </a:lnRef>
-          <a:fillRef idx="1">
-            <a:schemeClr val="accent1"/>
-          </a:fillRef>
-          <a:effectRef idx="0">
-            <a:schemeClr val="accent1"/>
-          </a:effectRef>
-          <a:fontRef idx="minor">
-            <a:schemeClr val="lt1"/>
-          </a:fontRef>
-        </p:style>
-        <p:txBody>
-          <a:bodyPr rtlCol="0" anchor="ctr"/>
-          <a:lstStyle/>
-          <a:p>
-            <a:pPr algn="ctr"/>
-            <a:endParaRPr lang="en-IN"/>
-          </a:p>
-        </p:txBody>
-      </p:sp>
-    </p:spTree>
-    <p:extLst>
-      <p:ext uri="{BB962C8B-B14F-4D97-AF65-F5344CB8AC3E}">
-        <p14:creationId xmlns:p14="http://schemas.microsoft.com/office/powerpoint/2010/main" val="1334828764"/>
       </p:ext>
     </p:extLst>
   </p:cSld>
